--- a/slides/analysis-pipeline.pptx
+++ b/slides/analysis-pipeline.pptx
@@ -4954,7 +4954,7 @@
           <a:p>
             <a:fld id="{5701B432-CA49-394F-A532-26B0D002A51A}" type="datetimeFigureOut">
               <a:rPr lang="en-US" smtClean="0"/>
-              <a:t>7/14/22</a:t>
+              <a:t>7/15/22</a:t>
             </a:fld>
             <a:endParaRPr lang="en-US"/>
           </a:p>
@@ -5446,7 +5446,7 @@
             <a:fld id="{5586B75A-687E-405C-8A0B-8D00578BA2C3}" type="datetimeFigureOut">
               <a:rPr lang="en-US" smtClean="0"/>
               <a:pPr/>
-              <a:t>7/14/22</a:t>
+              <a:t>7/15/22</a:t>
             </a:fld>
             <a:endParaRPr lang="en-US" dirty="0"/>
           </a:p>
@@ -5618,7 +5618,7 @@
             <a:fld id="{5586B75A-687E-405C-8A0B-8D00578BA2C3}" type="datetimeFigureOut">
               <a:rPr lang="en-US" smtClean="0"/>
               <a:pPr/>
-              <a:t>7/14/22</a:t>
+              <a:t>7/15/22</a:t>
             </a:fld>
             <a:endParaRPr lang="en-US" dirty="0"/>
           </a:p>
@@ -5800,7 +5800,7 @@
             <a:fld id="{5586B75A-687E-405C-8A0B-8D00578BA2C3}" type="datetimeFigureOut">
               <a:rPr lang="en-US" smtClean="0"/>
               <a:pPr/>
-              <a:t>7/14/22</a:t>
+              <a:t>7/15/22</a:t>
             </a:fld>
             <a:endParaRPr lang="en-US" dirty="0"/>
           </a:p>
@@ -5972,7 +5972,7 @@
             <a:fld id="{5586B75A-687E-405C-8A0B-8D00578BA2C3}" type="datetimeFigureOut">
               <a:rPr lang="en-US" smtClean="0"/>
               <a:pPr/>
-              <a:t>7/14/22</a:t>
+              <a:t>7/15/22</a:t>
             </a:fld>
             <a:endParaRPr lang="en-US" dirty="0"/>
           </a:p>
@@ -6228,7 +6228,7 @@
             <a:fld id="{5586B75A-687E-405C-8A0B-8D00578BA2C3}" type="datetimeFigureOut">
               <a:rPr lang="en-US" smtClean="0"/>
               <a:pPr/>
-              <a:t>7/14/22</a:t>
+              <a:t>7/15/22</a:t>
             </a:fld>
             <a:endParaRPr lang="en-US" dirty="0"/>
           </a:p>
@@ -6518,7 +6518,7 @@
             <a:fld id="{5586B75A-687E-405C-8A0B-8D00578BA2C3}" type="datetimeFigureOut">
               <a:rPr lang="en-US" smtClean="0"/>
               <a:pPr/>
-              <a:t>7/14/22</a:t>
+              <a:t>7/15/22</a:t>
             </a:fld>
             <a:endParaRPr lang="en-US" dirty="0"/>
           </a:p>
@@ -6962,7 +6962,7 @@
             <a:fld id="{5586B75A-687E-405C-8A0B-8D00578BA2C3}" type="datetimeFigureOut">
               <a:rPr lang="en-US" smtClean="0"/>
               <a:pPr/>
-              <a:t>7/14/22</a:t>
+              <a:t>7/15/22</a:t>
             </a:fld>
             <a:endParaRPr lang="en-US" dirty="0"/>
           </a:p>
@@ -7083,7 +7083,7 @@
             <a:fld id="{5586B75A-687E-405C-8A0B-8D00578BA2C3}" type="datetimeFigureOut">
               <a:rPr lang="en-US" smtClean="0"/>
               <a:pPr/>
-              <a:t>7/14/22</a:t>
+              <a:t>7/15/22</a:t>
             </a:fld>
             <a:endParaRPr lang="en-US" dirty="0"/>
           </a:p>
@@ -7180,7 +7180,7 @@
             <a:fld id="{5586B75A-687E-405C-8A0B-8D00578BA2C3}" type="datetimeFigureOut">
               <a:rPr lang="en-US" smtClean="0"/>
               <a:pPr/>
-              <a:t>7/14/22</a:t>
+              <a:t>7/15/22</a:t>
             </a:fld>
             <a:endParaRPr lang="en-US" dirty="0"/>
           </a:p>
@@ -7470,7 +7470,7 @@
             <a:fld id="{5586B75A-687E-405C-8A0B-8D00578BA2C3}" type="datetimeFigureOut">
               <a:rPr lang="en-US" smtClean="0"/>
               <a:pPr/>
-              <a:t>7/14/22</a:t>
+              <a:t>7/15/22</a:t>
             </a:fld>
             <a:endParaRPr lang="en-US" dirty="0"/>
           </a:p>
@@ -7745,7 +7745,7 @@
             <a:fld id="{5586B75A-687E-405C-8A0B-8D00578BA2C3}" type="datetimeFigureOut">
               <a:rPr lang="en-US" smtClean="0"/>
               <a:pPr/>
-              <a:t>7/14/22</a:t>
+              <a:t>7/15/22</a:t>
             </a:fld>
             <a:endParaRPr lang="en-US" dirty="0"/>
           </a:p>
@@ -8044,7 +8044,7 @@
             <a:fld id="{5586B75A-687E-405C-8A0B-8D00578BA2C3}" type="datetimeFigureOut">
               <a:rPr lang="en-US" smtClean="0"/>
               <a:pPr/>
-              <a:t>7/14/22</a:t>
+              <a:t>7/15/22</a:t>
             </a:fld>
             <a:endParaRPr lang="en-US" dirty="0"/>
           </a:p>
@@ -8608,71 +8608,6 @@
             <a:r>
               <a:rPr lang="en-US" sz="2800" dirty="0"/>
               <a:t> (they/them)</a:t>
-            </a:r>
-          </a:p>
-        </p:txBody>
-      </p:sp>
-      <p:sp>
-        <p:nvSpPr>
-          <p:cNvPr id="6" name="TextBox 5">
-            <a:extLst>
-              <a:ext uri="{FF2B5EF4-FFF2-40B4-BE49-F238E27FC236}">
-                <a16:creationId xmlns:a16="http://schemas.microsoft.com/office/drawing/2014/main" id="{66BF043E-4CF7-DE30-27CC-1E0F77ECB0CE}"/>
-              </a:ext>
-            </a:extLst>
-          </p:cNvPr>
-          <p:cNvSpPr txBox="1"/>
-          <p:nvPr/>
-        </p:nvSpPr>
-        <p:spPr>
-          <a:xfrm>
-            <a:off x="35169" y="6131692"/>
-            <a:ext cx="9155722" cy="646331"/>
-          </a:xfrm>
-          <a:prstGeom prst="rect">
-            <a:avLst/>
-          </a:prstGeom>
-          <a:noFill/>
-        </p:spPr>
-        <p:txBody>
-          <a:bodyPr wrap="square">
-            <a:spAutoFit/>
-          </a:bodyPr>
-          <a:lstStyle/>
-          <a:p>
-            <a:r>
-              <a:rPr lang="en-US" dirty="0"/>
-              <a:t>Slides based on slides courtesy of Jordan Crouser:  </a:t>
-            </a:r>
-            <a:r>
-              <a:rPr lang="en-US" u="sng" dirty="0">
-                <a:hlinkClick r:id="rId2"/>
-              </a:rPr>
-              <a:t>https://jcrouser.github.io/MassMutual-IntroR/</a:t>
-            </a:r>
-            <a:r>
-              <a:rPr lang="en-US" dirty="0"/>
-              <a:t>,  </a:t>
-            </a:r>
-            <a:r>
-              <a:rPr lang="en-US" u="sng" dirty="0">
-                <a:hlinkClick r:id="rId3"/>
-              </a:rPr>
-              <a:t>https://jcrouser.github.io/MassMutual-DataVis/</a:t>
-            </a:r>
-            <a:r>
-              <a:rPr lang="en-US" dirty="0"/>
-              <a:t>,  </a:t>
-            </a:r>
-            <a:r>
-              <a:rPr lang="en-US" u="sng" dirty="0">
-                <a:hlinkClick r:id="rId4"/>
-              </a:rPr>
-              <a:t>https://beanumber.github.io/sds192/</a:t>
-            </a:r>
-            <a:r>
-              <a:rPr lang="en-US" dirty="0"/>
-              <a:t>  </a:t>
             </a:r>
           </a:p>
         </p:txBody>
